--- a/The_Battle_of_Neighborhoods_Week_2.pptx
+++ b/The_Battle_of_Neighborhoods_Week_2.pptx
@@ -110,6 +110,11 @@
       </a:defRPr>
     </a:lvl9pPr>
   </p:defaultTextStyle>
+  <p:extLst>
+    <p:ext uri="{EFAFB233-063F-42B5-8137-9DF3F51BA10A}">
+      <p15:sldGuideLst xmlns:p15="http://schemas.microsoft.com/office/powerpoint/2012/main"/>
+    </p:ext>
+  </p:extLst>
 </p:presentation>
 </file>
 
@@ -3336,15 +3341,35 @@
   <p:cSld>
     <p:bg>
       <p:bgPr>
-        <a:blipFill dpi="0" rotWithShape="1">
-          <a:blip r:embed="rId2">
-            <a:lum/>
-          </a:blip>
-          <a:srcRect/>
-          <a:stretch>
-            <a:fillRect l="-20000" r="-20000"/>
-          </a:stretch>
-        </a:blipFill>
+        <a:gradFill>
+          <a:gsLst>
+            <a:gs pos="0">
+              <a:schemeClr val="accent1">
+                <a:lumMod val="5000"/>
+                <a:lumOff val="95000"/>
+              </a:schemeClr>
+            </a:gs>
+            <a:gs pos="74000">
+              <a:schemeClr val="accent1">
+                <a:lumMod val="45000"/>
+                <a:lumOff val="55000"/>
+              </a:schemeClr>
+            </a:gs>
+            <a:gs pos="83000">
+              <a:schemeClr val="accent1">
+                <a:lumMod val="45000"/>
+                <a:lumOff val="55000"/>
+              </a:schemeClr>
+            </a:gs>
+            <a:gs pos="100000">
+              <a:schemeClr val="accent1">
+                <a:lumMod val="30000"/>
+                <a:lumOff val="70000"/>
+              </a:schemeClr>
+            </a:gs>
+          </a:gsLst>
+          <a:lin ang="5400000" scaled="1"/>
+        </a:gradFill>
         <a:effectLst/>
       </p:bgPr>
     </p:bg>
@@ -3380,45 +3405,14 @@
         </p:nvSpPr>
         <p:spPr/>
         <p:txBody>
-          <a:bodyPr/>
+          <a:bodyPr>
+            <a:normAutofit/>
+          </a:bodyPr>
           <a:lstStyle/>
           <a:p>
             <a:r>
               <a:rPr lang="en-US" dirty="0"/>
-              <a:t>Battle of </a:t>
-            </a:r>
-            <a:r>
-              <a:rPr lang="en-US" dirty="0" err="1"/>
-              <a:t>Neighbourhoods</a:t>
-            </a:r>
-            <a:endParaRPr lang="en-US" dirty="0"/>
-          </a:p>
-        </p:txBody>
-      </p:sp>
-      <p:sp>
-        <p:nvSpPr>
-          <p:cNvPr id="3" name="Subtitle 2">
-            <a:extLst>
-              <a:ext uri="{FF2B5EF4-FFF2-40B4-BE49-F238E27FC236}">
-                <a16:creationId xmlns:a16="http://schemas.microsoft.com/office/drawing/2014/main" id="{6EE7E80A-0FF4-8541-B479-21D2CAAD72F3}"/>
-              </a:ext>
-            </a:extLst>
-          </p:cNvPr>
-          <p:cNvSpPr>
-            <a:spLocks noGrp="1"/>
-          </p:cNvSpPr>
-          <p:nvPr>
-            <p:ph type="subTitle" idx="1"/>
-          </p:nvPr>
-        </p:nvSpPr>
-        <p:spPr/>
-        <p:txBody>
-          <a:bodyPr/>
-          <a:lstStyle/>
-          <a:p>
-            <a:r>
-              <a:rPr lang="en-US" dirty="0"/>
-              <a:t>Find the best suburbs for opening a new Gym in Melbourne</a:t>
+              <a:t>Best suburbs for opening a new Gym in Melbourne</a:t>
             </a:r>
           </a:p>
         </p:txBody>
